--- a/docs/pptx/presentation.pptx
+++ b/docs/pptx/presentation.pptx
@@ -153,7 +153,7 @@
           <p:cNvPr id="2" name="Заголовок 1">
             <a:extLst>
               <a:ext uri="{FF2B5EF4-FFF2-40B4-BE49-F238E27FC236}">
-                <a16:creationId xmlns:a16="http://schemas.microsoft.com/office/drawing/2014/main" xmlns="" id="{8F6124C4-8D0E-43D8-903A-190DE39BE3DD}"/>
+                <a16:creationId xmlns:a16="http://schemas.microsoft.com/office/drawing/2014/main" id="{8F6124C4-8D0E-43D8-903A-190DE39BE3DD}"/>
               </a:ext>
             </a:extLst>
           </p:cNvPr>
@@ -190,7 +190,7 @@
           <p:cNvPr id="3" name="Подзаголовок 2">
             <a:extLst>
               <a:ext uri="{FF2B5EF4-FFF2-40B4-BE49-F238E27FC236}">
-                <a16:creationId xmlns:a16="http://schemas.microsoft.com/office/drawing/2014/main" xmlns="" id="{AF47AD7E-1374-4FB0-9248-CCBF5A20AC16}"/>
+                <a16:creationId xmlns:a16="http://schemas.microsoft.com/office/drawing/2014/main" id="{AF47AD7E-1374-4FB0-9248-CCBF5A20AC16}"/>
               </a:ext>
             </a:extLst>
           </p:cNvPr>
@@ -260,7 +260,7 @@
           <p:cNvPr id="4" name="Дата 3">
             <a:extLst>
               <a:ext uri="{FF2B5EF4-FFF2-40B4-BE49-F238E27FC236}">
-                <a16:creationId xmlns:a16="http://schemas.microsoft.com/office/drawing/2014/main" xmlns="" id="{7255BAE2-EB82-4203-B4E5-24B8CED5897D}"/>
+                <a16:creationId xmlns:a16="http://schemas.microsoft.com/office/drawing/2014/main" id="{7255BAE2-EB82-4203-B4E5-24B8CED5897D}"/>
               </a:ext>
             </a:extLst>
           </p:cNvPr>
@@ -289,7 +289,7 @@
           <p:cNvPr id="5" name="Нижний колонтитул 4">
             <a:extLst>
               <a:ext uri="{FF2B5EF4-FFF2-40B4-BE49-F238E27FC236}">
-                <a16:creationId xmlns:a16="http://schemas.microsoft.com/office/drawing/2014/main" xmlns="" id="{7ED993EC-6D4E-40A8-8921-8FE7FA771569}"/>
+                <a16:creationId xmlns:a16="http://schemas.microsoft.com/office/drawing/2014/main" id="{7ED993EC-6D4E-40A8-8921-8FE7FA771569}"/>
               </a:ext>
             </a:extLst>
           </p:cNvPr>
@@ -314,7 +314,7 @@
           <p:cNvPr id="6" name="Номер слайда 5">
             <a:extLst>
               <a:ext uri="{FF2B5EF4-FFF2-40B4-BE49-F238E27FC236}">
-                <a16:creationId xmlns:a16="http://schemas.microsoft.com/office/drawing/2014/main" xmlns="" id="{685A1AF7-F99A-48D8-9E22-BE420F35959D}"/>
+                <a16:creationId xmlns:a16="http://schemas.microsoft.com/office/drawing/2014/main" id="{685A1AF7-F99A-48D8-9E22-BE420F35959D}"/>
               </a:ext>
             </a:extLst>
           </p:cNvPr>
@@ -373,7 +373,7 @@
           <p:cNvPr id="2" name="Заголовок 1">
             <a:extLst>
               <a:ext uri="{FF2B5EF4-FFF2-40B4-BE49-F238E27FC236}">
-                <a16:creationId xmlns:a16="http://schemas.microsoft.com/office/drawing/2014/main" xmlns="" id="{5735EA25-2079-4498-9A1F-B45EA6D7F0E2}"/>
+                <a16:creationId xmlns:a16="http://schemas.microsoft.com/office/drawing/2014/main" id="{5735EA25-2079-4498-9A1F-B45EA6D7F0E2}"/>
               </a:ext>
             </a:extLst>
           </p:cNvPr>
@@ -401,7 +401,7 @@
           <p:cNvPr id="3" name="Вертикальный текст 2">
             <a:extLst>
               <a:ext uri="{FF2B5EF4-FFF2-40B4-BE49-F238E27FC236}">
-                <a16:creationId xmlns:a16="http://schemas.microsoft.com/office/drawing/2014/main" xmlns="" id="{4CD2257A-F5A5-4C94-802A-9CAEFFC766E6}"/>
+                <a16:creationId xmlns:a16="http://schemas.microsoft.com/office/drawing/2014/main" id="{4CD2257A-F5A5-4C94-802A-9CAEFFC766E6}"/>
               </a:ext>
             </a:extLst>
           </p:cNvPr>
@@ -458,7 +458,7 @@
           <p:cNvPr id="4" name="Дата 3">
             <a:extLst>
               <a:ext uri="{FF2B5EF4-FFF2-40B4-BE49-F238E27FC236}">
-                <a16:creationId xmlns:a16="http://schemas.microsoft.com/office/drawing/2014/main" xmlns="" id="{50D496AA-B938-4196-BD9F-7A156893EDE3}"/>
+                <a16:creationId xmlns:a16="http://schemas.microsoft.com/office/drawing/2014/main" id="{50D496AA-B938-4196-BD9F-7A156893EDE3}"/>
               </a:ext>
             </a:extLst>
           </p:cNvPr>
@@ -487,7 +487,7 @@
           <p:cNvPr id="5" name="Нижний колонтитул 4">
             <a:extLst>
               <a:ext uri="{FF2B5EF4-FFF2-40B4-BE49-F238E27FC236}">
-                <a16:creationId xmlns:a16="http://schemas.microsoft.com/office/drawing/2014/main" xmlns="" id="{B9002EDD-5E93-45EB-949A-CC3F149CFA42}"/>
+                <a16:creationId xmlns:a16="http://schemas.microsoft.com/office/drawing/2014/main" id="{B9002EDD-5E93-45EB-949A-CC3F149CFA42}"/>
               </a:ext>
             </a:extLst>
           </p:cNvPr>
@@ -512,7 +512,7 @@
           <p:cNvPr id="6" name="Номер слайда 5">
             <a:extLst>
               <a:ext uri="{FF2B5EF4-FFF2-40B4-BE49-F238E27FC236}">
-                <a16:creationId xmlns:a16="http://schemas.microsoft.com/office/drawing/2014/main" xmlns="" id="{B3D930D2-AEFD-4C28-B78F-AAE5D99CCAC3}"/>
+                <a16:creationId xmlns:a16="http://schemas.microsoft.com/office/drawing/2014/main" id="{B3D930D2-AEFD-4C28-B78F-AAE5D99CCAC3}"/>
               </a:ext>
             </a:extLst>
           </p:cNvPr>
@@ -571,7 +571,7 @@
           <p:cNvPr id="2" name="Вертикальный заголовок 1">
             <a:extLst>
               <a:ext uri="{FF2B5EF4-FFF2-40B4-BE49-F238E27FC236}">
-                <a16:creationId xmlns:a16="http://schemas.microsoft.com/office/drawing/2014/main" xmlns="" id="{D19AC06E-B0DE-4FD1-92BE-6D82F31D78E6}"/>
+                <a16:creationId xmlns:a16="http://schemas.microsoft.com/office/drawing/2014/main" id="{D19AC06E-B0DE-4FD1-92BE-6D82F31D78E6}"/>
               </a:ext>
             </a:extLst>
           </p:cNvPr>
@@ -604,7 +604,7 @@
           <p:cNvPr id="3" name="Вертикальный текст 2">
             <a:extLst>
               <a:ext uri="{FF2B5EF4-FFF2-40B4-BE49-F238E27FC236}">
-                <a16:creationId xmlns:a16="http://schemas.microsoft.com/office/drawing/2014/main" xmlns="" id="{0599771E-325F-4879-ABDF-FD08879EDE65}"/>
+                <a16:creationId xmlns:a16="http://schemas.microsoft.com/office/drawing/2014/main" id="{0599771E-325F-4879-ABDF-FD08879EDE65}"/>
               </a:ext>
             </a:extLst>
           </p:cNvPr>
@@ -666,7 +666,7 @@
           <p:cNvPr id="4" name="Дата 3">
             <a:extLst>
               <a:ext uri="{FF2B5EF4-FFF2-40B4-BE49-F238E27FC236}">
-                <a16:creationId xmlns:a16="http://schemas.microsoft.com/office/drawing/2014/main" xmlns="" id="{F7D9C73B-CA13-470B-A977-3AFB95409682}"/>
+                <a16:creationId xmlns:a16="http://schemas.microsoft.com/office/drawing/2014/main" id="{F7D9C73B-CA13-470B-A977-3AFB95409682}"/>
               </a:ext>
             </a:extLst>
           </p:cNvPr>
@@ -695,7 +695,7 @@
           <p:cNvPr id="5" name="Нижний колонтитул 4">
             <a:extLst>
               <a:ext uri="{FF2B5EF4-FFF2-40B4-BE49-F238E27FC236}">
-                <a16:creationId xmlns:a16="http://schemas.microsoft.com/office/drawing/2014/main" xmlns="" id="{77242C95-5AF9-4778-8272-E9D6D03926FF}"/>
+                <a16:creationId xmlns:a16="http://schemas.microsoft.com/office/drawing/2014/main" id="{77242C95-5AF9-4778-8272-E9D6D03926FF}"/>
               </a:ext>
             </a:extLst>
           </p:cNvPr>
@@ -720,7 +720,7 @@
           <p:cNvPr id="6" name="Номер слайда 5">
             <a:extLst>
               <a:ext uri="{FF2B5EF4-FFF2-40B4-BE49-F238E27FC236}">
-                <a16:creationId xmlns:a16="http://schemas.microsoft.com/office/drawing/2014/main" xmlns="" id="{301C112C-BDA4-486E-87B8-94ABB8F52965}"/>
+                <a16:creationId xmlns:a16="http://schemas.microsoft.com/office/drawing/2014/main" id="{301C112C-BDA4-486E-87B8-94ABB8F52965}"/>
               </a:ext>
             </a:extLst>
           </p:cNvPr>
@@ -779,7 +779,7 @@
           <p:cNvPr id="2" name="Заголовок 1">
             <a:extLst>
               <a:ext uri="{FF2B5EF4-FFF2-40B4-BE49-F238E27FC236}">
-                <a16:creationId xmlns:a16="http://schemas.microsoft.com/office/drawing/2014/main" xmlns="" id="{0D451FCF-4E8A-4671-8389-E1BA185CBB80}"/>
+                <a16:creationId xmlns:a16="http://schemas.microsoft.com/office/drawing/2014/main" id="{0D451FCF-4E8A-4671-8389-E1BA185CBB80}"/>
               </a:ext>
             </a:extLst>
           </p:cNvPr>
@@ -807,7 +807,7 @@
           <p:cNvPr id="3" name="Объект 2">
             <a:extLst>
               <a:ext uri="{FF2B5EF4-FFF2-40B4-BE49-F238E27FC236}">
-                <a16:creationId xmlns:a16="http://schemas.microsoft.com/office/drawing/2014/main" xmlns="" id="{599049AD-F35D-431A-BCD4-AE9D4F09F939}"/>
+                <a16:creationId xmlns:a16="http://schemas.microsoft.com/office/drawing/2014/main" id="{599049AD-F35D-431A-BCD4-AE9D4F09F939}"/>
               </a:ext>
             </a:extLst>
           </p:cNvPr>
@@ -864,7 +864,7 @@
           <p:cNvPr id="4" name="Дата 3">
             <a:extLst>
               <a:ext uri="{FF2B5EF4-FFF2-40B4-BE49-F238E27FC236}">
-                <a16:creationId xmlns:a16="http://schemas.microsoft.com/office/drawing/2014/main" xmlns="" id="{83AE08A3-F1B0-4DDD-85A3-FBCF7CF06C0C}"/>
+                <a16:creationId xmlns:a16="http://schemas.microsoft.com/office/drawing/2014/main" id="{83AE08A3-F1B0-4DDD-85A3-FBCF7CF06C0C}"/>
               </a:ext>
             </a:extLst>
           </p:cNvPr>
@@ -893,7 +893,7 @@
           <p:cNvPr id="5" name="Нижний колонтитул 4">
             <a:extLst>
               <a:ext uri="{FF2B5EF4-FFF2-40B4-BE49-F238E27FC236}">
-                <a16:creationId xmlns:a16="http://schemas.microsoft.com/office/drawing/2014/main" xmlns="" id="{4D9EF086-A7BA-4B54-A468-DB4E11E1CBA2}"/>
+                <a16:creationId xmlns:a16="http://schemas.microsoft.com/office/drawing/2014/main" id="{4D9EF086-A7BA-4B54-A468-DB4E11E1CBA2}"/>
               </a:ext>
             </a:extLst>
           </p:cNvPr>
@@ -918,7 +918,7 @@
           <p:cNvPr id="6" name="Номер слайда 5">
             <a:extLst>
               <a:ext uri="{FF2B5EF4-FFF2-40B4-BE49-F238E27FC236}">
-                <a16:creationId xmlns:a16="http://schemas.microsoft.com/office/drawing/2014/main" xmlns="" id="{25F28061-5AE2-4040-9D4C-B8244932350F}"/>
+                <a16:creationId xmlns:a16="http://schemas.microsoft.com/office/drawing/2014/main" id="{25F28061-5AE2-4040-9D4C-B8244932350F}"/>
               </a:ext>
             </a:extLst>
           </p:cNvPr>
@@ -977,7 +977,7 @@
           <p:cNvPr id="2" name="Заголовок 1">
             <a:extLst>
               <a:ext uri="{FF2B5EF4-FFF2-40B4-BE49-F238E27FC236}">
-                <a16:creationId xmlns:a16="http://schemas.microsoft.com/office/drawing/2014/main" xmlns="" id="{0B90A7E8-D90D-470A-98D9-DC1A23C24B33}"/>
+                <a16:creationId xmlns:a16="http://schemas.microsoft.com/office/drawing/2014/main" id="{0B90A7E8-D90D-470A-98D9-DC1A23C24B33}"/>
               </a:ext>
             </a:extLst>
           </p:cNvPr>
@@ -1014,7 +1014,7 @@
           <p:cNvPr id="3" name="Текст 2">
             <a:extLst>
               <a:ext uri="{FF2B5EF4-FFF2-40B4-BE49-F238E27FC236}">
-                <a16:creationId xmlns:a16="http://schemas.microsoft.com/office/drawing/2014/main" xmlns="" id="{7E68859D-5FCA-441B-BF0E-AF16574304EC}"/>
+                <a16:creationId xmlns:a16="http://schemas.microsoft.com/office/drawing/2014/main" id="{7E68859D-5FCA-441B-BF0E-AF16574304EC}"/>
               </a:ext>
             </a:extLst>
           </p:cNvPr>
@@ -1139,7 +1139,7 @@
           <p:cNvPr id="4" name="Дата 3">
             <a:extLst>
               <a:ext uri="{FF2B5EF4-FFF2-40B4-BE49-F238E27FC236}">
-                <a16:creationId xmlns:a16="http://schemas.microsoft.com/office/drawing/2014/main" xmlns="" id="{B27054F6-7020-4C56-9AE3-36D7AB7564DC}"/>
+                <a16:creationId xmlns:a16="http://schemas.microsoft.com/office/drawing/2014/main" id="{B27054F6-7020-4C56-9AE3-36D7AB7564DC}"/>
               </a:ext>
             </a:extLst>
           </p:cNvPr>
@@ -1168,7 +1168,7 @@
           <p:cNvPr id="5" name="Нижний колонтитул 4">
             <a:extLst>
               <a:ext uri="{FF2B5EF4-FFF2-40B4-BE49-F238E27FC236}">
-                <a16:creationId xmlns:a16="http://schemas.microsoft.com/office/drawing/2014/main" xmlns="" id="{F2BE8BDA-4532-4279-8B88-3E399FA5E869}"/>
+                <a16:creationId xmlns:a16="http://schemas.microsoft.com/office/drawing/2014/main" id="{F2BE8BDA-4532-4279-8B88-3E399FA5E869}"/>
               </a:ext>
             </a:extLst>
           </p:cNvPr>
@@ -1193,7 +1193,7 @@
           <p:cNvPr id="6" name="Номер слайда 5">
             <a:extLst>
               <a:ext uri="{FF2B5EF4-FFF2-40B4-BE49-F238E27FC236}">
-                <a16:creationId xmlns:a16="http://schemas.microsoft.com/office/drawing/2014/main" xmlns="" id="{DB9CB444-5DB3-45E8-98CA-FD3BC6F1B959}"/>
+                <a16:creationId xmlns:a16="http://schemas.microsoft.com/office/drawing/2014/main" id="{DB9CB444-5DB3-45E8-98CA-FD3BC6F1B959}"/>
               </a:ext>
             </a:extLst>
           </p:cNvPr>
@@ -1252,7 +1252,7 @@
           <p:cNvPr id="2" name="Заголовок 1">
             <a:extLst>
               <a:ext uri="{FF2B5EF4-FFF2-40B4-BE49-F238E27FC236}">
-                <a16:creationId xmlns:a16="http://schemas.microsoft.com/office/drawing/2014/main" xmlns="" id="{8282E6C9-FC79-4DF8-9DFD-58B684047AF8}"/>
+                <a16:creationId xmlns:a16="http://schemas.microsoft.com/office/drawing/2014/main" id="{8282E6C9-FC79-4DF8-9DFD-58B684047AF8}"/>
               </a:ext>
             </a:extLst>
           </p:cNvPr>
@@ -1280,7 +1280,7 @@
           <p:cNvPr id="3" name="Объект 2">
             <a:extLst>
               <a:ext uri="{FF2B5EF4-FFF2-40B4-BE49-F238E27FC236}">
-                <a16:creationId xmlns:a16="http://schemas.microsoft.com/office/drawing/2014/main" xmlns="" id="{198AADB5-342E-49B8-91BA-A05445D69F0B}"/>
+                <a16:creationId xmlns:a16="http://schemas.microsoft.com/office/drawing/2014/main" id="{198AADB5-342E-49B8-91BA-A05445D69F0B}"/>
               </a:ext>
             </a:extLst>
           </p:cNvPr>
@@ -1342,7 +1342,7 @@
           <p:cNvPr id="4" name="Объект 3">
             <a:extLst>
               <a:ext uri="{FF2B5EF4-FFF2-40B4-BE49-F238E27FC236}">
-                <a16:creationId xmlns:a16="http://schemas.microsoft.com/office/drawing/2014/main" xmlns="" id="{EC77B9C0-7830-4D13-805F-C162DA250EAD}"/>
+                <a16:creationId xmlns:a16="http://schemas.microsoft.com/office/drawing/2014/main" id="{EC77B9C0-7830-4D13-805F-C162DA250EAD}"/>
               </a:ext>
             </a:extLst>
           </p:cNvPr>
@@ -1404,7 +1404,7 @@
           <p:cNvPr id="5" name="Дата 4">
             <a:extLst>
               <a:ext uri="{FF2B5EF4-FFF2-40B4-BE49-F238E27FC236}">
-                <a16:creationId xmlns:a16="http://schemas.microsoft.com/office/drawing/2014/main" xmlns="" id="{5D6A259D-0B2E-4322-BCC2-5456C223FBBA}"/>
+                <a16:creationId xmlns:a16="http://schemas.microsoft.com/office/drawing/2014/main" id="{5D6A259D-0B2E-4322-BCC2-5456C223FBBA}"/>
               </a:ext>
             </a:extLst>
           </p:cNvPr>
@@ -1433,7 +1433,7 @@
           <p:cNvPr id="6" name="Нижний колонтитул 5">
             <a:extLst>
               <a:ext uri="{FF2B5EF4-FFF2-40B4-BE49-F238E27FC236}">
-                <a16:creationId xmlns:a16="http://schemas.microsoft.com/office/drawing/2014/main" xmlns="" id="{8B4E1B66-1BCF-4B12-8A1D-91FF1DE6CECB}"/>
+                <a16:creationId xmlns:a16="http://schemas.microsoft.com/office/drawing/2014/main" id="{8B4E1B66-1BCF-4B12-8A1D-91FF1DE6CECB}"/>
               </a:ext>
             </a:extLst>
           </p:cNvPr>
@@ -1458,7 +1458,7 @@
           <p:cNvPr id="7" name="Номер слайда 6">
             <a:extLst>
               <a:ext uri="{FF2B5EF4-FFF2-40B4-BE49-F238E27FC236}">
-                <a16:creationId xmlns:a16="http://schemas.microsoft.com/office/drawing/2014/main" xmlns="" id="{1B8F9594-05C1-4C03-A4C6-D4188718C872}"/>
+                <a16:creationId xmlns:a16="http://schemas.microsoft.com/office/drawing/2014/main" id="{1B8F9594-05C1-4C03-A4C6-D4188718C872}"/>
               </a:ext>
             </a:extLst>
           </p:cNvPr>
@@ -1517,7 +1517,7 @@
           <p:cNvPr id="2" name="Заголовок 1">
             <a:extLst>
               <a:ext uri="{FF2B5EF4-FFF2-40B4-BE49-F238E27FC236}">
-                <a16:creationId xmlns:a16="http://schemas.microsoft.com/office/drawing/2014/main" xmlns="" id="{D445A388-E869-4986-9C9C-605D7A99F4F5}"/>
+                <a16:creationId xmlns:a16="http://schemas.microsoft.com/office/drawing/2014/main" id="{D445A388-E869-4986-9C9C-605D7A99F4F5}"/>
               </a:ext>
             </a:extLst>
           </p:cNvPr>
@@ -1550,7 +1550,7 @@
           <p:cNvPr id="3" name="Текст 2">
             <a:extLst>
               <a:ext uri="{FF2B5EF4-FFF2-40B4-BE49-F238E27FC236}">
-                <a16:creationId xmlns:a16="http://schemas.microsoft.com/office/drawing/2014/main" xmlns="" id="{963FE5CD-D140-4E2F-A35E-FFB61175A7E3}"/>
+                <a16:creationId xmlns:a16="http://schemas.microsoft.com/office/drawing/2014/main" id="{963FE5CD-D140-4E2F-A35E-FFB61175A7E3}"/>
               </a:ext>
             </a:extLst>
           </p:cNvPr>
@@ -1621,7 +1621,7 @@
           <p:cNvPr id="4" name="Объект 3">
             <a:extLst>
               <a:ext uri="{FF2B5EF4-FFF2-40B4-BE49-F238E27FC236}">
-                <a16:creationId xmlns:a16="http://schemas.microsoft.com/office/drawing/2014/main" xmlns="" id="{C0421F6F-0D19-4DF8-B2EF-3E4F5F513DD7}"/>
+                <a16:creationId xmlns:a16="http://schemas.microsoft.com/office/drawing/2014/main" id="{C0421F6F-0D19-4DF8-B2EF-3E4F5F513DD7}"/>
               </a:ext>
             </a:extLst>
           </p:cNvPr>
@@ -1683,7 +1683,7 @@
           <p:cNvPr id="5" name="Текст 4">
             <a:extLst>
               <a:ext uri="{FF2B5EF4-FFF2-40B4-BE49-F238E27FC236}">
-                <a16:creationId xmlns:a16="http://schemas.microsoft.com/office/drawing/2014/main" xmlns="" id="{659DBA38-3338-417D-8BCC-ECAB81E82EE2}"/>
+                <a16:creationId xmlns:a16="http://schemas.microsoft.com/office/drawing/2014/main" id="{659DBA38-3338-417D-8BCC-ECAB81E82EE2}"/>
               </a:ext>
             </a:extLst>
           </p:cNvPr>
@@ -1754,7 +1754,7 @@
           <p:cNvPr id="6" name="Объект 5">
             <a:extLst>
               <a:ext uri="{FF2B5EF4-FFF2-40B4-BE49-F238E27FC236}">
-                <a16:creationId xmlns:a16="http://schemas.microsoft.com/office/drawing/2014/main" xmlns="" id="{49533E52-0F8A-4683-A871-2A65D848D13A}"/>
+                <a16:creationId xmlns:a16="http://schemas.microsoft.com/office/drawing/2014/main" id="{49533E52-0F8A-4683-A871-2A65D848D13A}"/>
               </a:ext>
             </a:extLst>
           </p:cNvPr>
@@ -1816,7 +1816,7 @@
           <p:cNvPr id="7" name="Дата 6">
             <a:extLst>
               <a:ext uri="{FF2B5EF4-FFF2-40B4-BE49-F238E27FC236}">
-                <a16:creationId xmlns:a16="http://schemas.microsoft.com/office/drawing/2014/main" xmlns="" id="{D3AB89AD-4492-48EB-A68D-DE4988E41BAA}"/>
+                <a16:creationId xmlns:a16="http://schemas.microsoft.com/office/drawing/2014/main" id="{D3AB89AD-4492-48EB-A68D-DE4988E41BAA}"/>
               </a:ext>
             </a:extLst>
           </p:cNvPr>
@@ -1845,7 +1845,7 @@
           <p:cNvPr id="8" name="Нижний колонтитул 7">
             <a:extLst>
               <a:ext uri="{FF2B5EF4-FFF2-40B4-BE49-F238E27FC236}">
-                <a16:creationId xmlns:a16="http://schemas.microsoft.com/office/drawing/2014/main" xmlns="" id="{709F5E70-9404-45AE-87F0-A6026673FFCC}"/>
+                <a16:creationId xmlns:a16="http://schemas.microsoft.com/office/drawing/2014/main" id="{709F5E70-9404-45AE-87F0-A6026673FFCC}"/>
               </a:ext>
             </a:extLst>
           </p:cNvPr>
@@ -1870,7 +1870,7 @@
           <p:cNvPr id="9" name="Номер слайда 8">
             <a:extLst>
               <a:ext uri="{FF2B5EF4-FFF2-40B4-BE49-F238E27FC236}">
-                <a16:creationId xmlns:a16="http://schemas.microsoft.com/office/drawing/2014/main" xmlns="" id="{3C91B8A8-3EF7-4EB8-938C-A79315C8334C}"/>
+                <a16:creationId xmlns:a16="http://schemas.microsoft.com/office/drawing/2014/main" id="{3C91B8A8-3EF7-4EB8-938C-A79315C8334C}"/>
               </a:ext>
             </a:extLst>
           </p:cNvPr>
@@ -1929,7 +1929,7 @@
           <p:cNvPr id="2" name="Заголовок 1">
             <a:extLst>
               <a:ext uri="{FF2B5EF4-FFF2-40B4-BE49-F238E27FC236}">
-                <a16:creationId xmlns:a16="http://schemas.microsoft.com/office/drawing/2014/main" xmlns="" id="{2ED856BB-B779-422E-9974-8126A97C244A}"/>
+                <a16:creationId xmlns:a16="http://schemas.microsoft.com/office/drawing/2014/main" id="{2ED856BB-B779-422E-9974-8126A97C244A}"/>
               </a:ext>
             </a:extLst>
           </p:cNvPr>
@@ -1957,7 +1957,7 @@
           <p:cNvPr id="3" name="Дата 2">
             <a:extLst>
               <a:ext uri="{FF2B5EF4-FFF2-40B4-BE49-F238E27FC236}">
-                <a16:creationId xmlns:a16="http://schemas.microsoft.com/office/drawing/2014/main" xmlns="" id="{3EA88E75-B7EC-4941-9BB4-3A7CD6AE90E7}"/>
+                <a16:creationId xmlns:a16="http://schemas.microsoft.com/office/drawing/2014/main" id="{3EA88E75-B7EC-4941-9BB4-3A7CD6AE90E7}"/>
               </a:ext>
             </a:extLst>
           </p:cNvPr>
@@ -1986,7 +1986,7 @@
           <p:cNvPr id="4" name="Нижний колонтитул 3">
             <a:extLst>
               <a:ext uri="{FF2B5EF4-FFF2-40B4-BE49-F238E27FC236}">
-                <a16:creationId xmlns:a16="http://schemas.microsoft.com/office/drawing/2014/main" xmlns="" id="{2562E355-3ACE-44BA-8CF0-EC1EE3C7FD1E}"/>
+                <a16:creationId xmlns:a16="http://schemas.microsoft.com/office/drawing/2014/main" id="{2562E355-3ACE-44BA-8CF0-EC1EE3C7FD1E}"/>
               </a:ext>
             </a:extLst>
           </p:cNvPr>
@@ -2011,7 +2011,7 @@
           <p:cNvPr id="5" name="Номер слайда 4">
             <a:extLst>
               <a:ext uri="{FF2B5EF4-FFF2-40B4-BE49-F238E27FC236}">
-                <a16:creationId xmlns:a16="http://schemas.microsoft.com/office/drawing/2014/main" xmlns="" id="{4F900397-20AC-409B-8C38-A948A7AB5202}"/>
+                <a16:creationId xmlns:a16="http://schemas.microsoft.com/office/drawing/2014/main" id="{4F900397-20AC-409B-8C38-A948A7AB5202}"/>
               </a:ext>
             </a:extLst>
           </p:cNvPr>
@@ -2070,7 +2070,7 @@
           <p:cNvPr id="2" name="Дата 1">
             <a:extLst>
               <a:ext uri="{FF2B5EF4-FFF2-40B4-BE49-F238E27FC236}">
-                <a16:creationId xmlns:a16="http://schemas.microsoft.com/office/drawing/2014/main" xmlns="" id="{665500BC-B328-4174-8415-C798DAE9310A}"/>
+                <a16:creationId xmlns:a16="http://schemas.microsoft.com/office/drawing/2014/main" id="{665500BC-B328-4174-8415-C798DAE9310A}"/>
               </a:ext>
             </a:extLst>
           </p:cNvPr>
@@ -2099,7 +2099,7 @@
           <p:cNvPr id="3" name="Нижний колонтитул 2">
             <a:extLst>
               <a:ext uri="{FF2B5EF4-FFF2-40B4-BE49-F238E27FC236}">
-                <a16:creationId xmlns:a16="http://schemas.microsoft.com/office/drawing/2014/main" xmlns="" id="{AFC6AB7E-5832-416F-ACDF-FEA3D401B997}"/>
+                <a16:creationId xmlns:a16="http://schemas.microsoft.com/office/drawing/2014/main" id="{AFC6AB7E-5832-416F-ACDF-FEA3D401B997}"/>
               </a:ext>
             </a:extLst>
           </p:cNvPr>
@@ -2124,7 +2124,7 @@
           <p:cNvPr id="4" name="Номер слайда 3">
             <a:extLst>
               <a:ext uri="{FF2B5EF4-FFF2-40B4-BE49-F238E27FC236}">
-                <a16:creationId xmlns:a16="http://schemas.microsoft.com/office/drawing/2014/main" xmlns="" id="{316C592F-7EC9-4117-9EE8-236D2644DE98}"/>
+                <a16:creationId xmlns:a16="http://schemas.microsoft.com/office/drawing/2014/main" id="{316C592F-7EC9-4117-9EE8-236D2644DE98}"/>
               </a:ext>
             </a:extLst>
           </p:cNvPr>
@@ -2183,7 +2183,7 @@
           <p:cNvPr id="2" name="Заголовок 1">
             <a:extLst>
               <a:ext uri="{FF2B5EF4-FFF2-40B4-BE49-F238E27FC236}">
-                <a16:creationId xmlns:a16="http://schemas.microsoft.com/office/drawing/2014/main" xmlns="" id="{9C90D7D8-4E74-4F8A-BD17-A44BB744C40D}"/>
+                <a16:creationId xmlns:a16="http://schemas.microsoft.com/office/drawing/2014/main" id="{9C90D7D8-4E74-4F8A-BD17-A44BB744C40D}"/>
               </a:ext>
             </a:extLst>
           </p:cNvPr>
@@ -2220,7 +2220,7 @@
           <p:cNvPr id="3" name="Объект 2">
             <a:extLst>
               <a:ext uri="{FF2B5EF4-FFF2-40B4-BE49-F238E27FC236}">
-                <a16:creationId xmlns:a16="http://schemas.microsoft.com/office/drawing/2014/main" xmlns="" id="{0A0E743E-9532-4FDF-9CF4-9D5321F37908}"/>
+                <a16:creationId xmlns:a16="http://schemas.microsoft.com/office/drawing/2014/main" id="{0A0E743E-9532-4FDF-9CF4-9D5321F37908}"/>
               </a:ext>
             </a:extLst>
           </p:cNvPr>
@@ -2310,7 +2310,7 @@
           <p:cNvPr id="4" name="Текст 3">
             <a:extLst>
               <a:ext uri="{FF2B5EF4-FFF2-40B4-BE49-F238E27FC236}">
-                <a16:creationId xmlns:a16="http://schemas.microsoft.com/office/drawing/2014/main" xmlns="" id="{08FD4417-9D43-465D-AF1F-F132BE801CA4}"/>
+                <a16:creationId xmlns:a16="http://schemas.microsoft.com/office/drawing/2014/main" id="{08FD4417-9D43-465D-AF1F-F132BE801CA4}"/>
               </a:ext>
             </a:extLst>
           </p:cNvPr>
@@ -2381,7 +2381,7 @@
           <p:cNvPr id="5" name="Дата 4">
             <a:extLst>
               <a:ext uri="{FF2B5EF4-FFF2-40B4-BE49-F238E27FC236}">
-                <a16:creationId xmlns:a16="http://schemas.microsoft.com/office/drawing/2014/main" xmlns="" id="{B818CF76-DA64-4A32-96D5-77C1D0AD6916}"/>
+                <a16:creationId xmlns:a16="http://schemas.microsoft.com/office/drawing/2014/main" id="{B818CF76-DA64-4A32-96D5-77C1D0AD6916}"/>
               </a:ext>
             </a:extLst>
           </p:cNvPr>
@@ -2410,7 +2410,7 @@
           <p:cNvPr id="6" name="Нижний колонтитул 5">
             <a:extLst>
               <a:ext uri="{FF2B5EF4-FFF2-40B4-BE49-F238E27FC236}">
-                <a16:creationId xmlns:a16="http://schemas.microsoft.com/office/drawing/2014/main" xmlns="" id="{2F9A725D-5DFE-42A3-881B-3B0BE0660D1C}"/>
+                <a16:creationId xmlns:a16="http://schemas.microsoft.com/office/drawing/2014/main" id="{2F9A725D-5DFE-42A3-881B-3B0BE0660D1C}"/>
               </a:ext>
             </a:extLst>
           </p:cNvPr>
@@ -2435,7 +2435,7 @@
           <p:cNvPr id="7" name="Номер слайда 6">
             <a:extLst>
               <a:ext uri="{FF2B5EF4-FFF2-40B4-BE49-F238E27FC236}">
-                <a16:creationId xmlns:a16="http://schemas.microsoft.com/office/drawing/2014/main" xmlns="" id="{F7CD524C-9E7A-457C-88F2-F1AA086C691D}"/>
+                <a16:creationId xmlns:a16="http://schemas.microsoft.com/office/drawing/2014/main" id="{F7CD524C-9E7A-457C-88F2-F1AA086C691D}"/>
               </a:ext>
             </a:extLst>
           </p:cNvPr>
@@ -2494,7 +2494,7 @@
           <p:cNvPr id="2" name="Заголовок 1">
             <a:extLst>
               <a:ext uri="{FF2B5EF4-FFF2-40B4-BE49-F238E27FC236}">
-                <a16:creationId xmlns:a16="http://schemas.microsoft.com/office/drawing/2014/main" xmlns="" id="{86029C1B-442B-4767-A33E-CD1D85D23CEE}"/>
+                <a16:creationId xmlns:a16="http://schemas.microsoft.com/office/drawing/2014/main" id="{86029C1B-442B-4767-A33E-CD1D85D23CEE}"/>
               </a:ext>
             </a:extLst>
           </p:cNvPr>
@@ -2531,7 +2531,7 @@
           <p:cNvPr id="3" name="Рисунок 2">
             <a:extLst>
               <a:ext uri="{FF2B5EF4-FFF2-40B4-BE49-F238E27FC236}">
-                <a16:creationId xmlns:a16="http://schemas.microsoft.com/office/drawing/2014/main" xmlns="" id="{326DEF6D-CE72-4D00-B694-4D76DB9FA44E}"/>
+                <a16:creationId xmlns:a16="http://schemas.microsoft.com/office/drawing/2014/main" id="{326DEF6D-CE72-4D00-B694-4D76DB9FA44E}"/>
               </a:ext>
             </a:extLst>
           </p:cNvPr>
@@ -2598,7 +2598,7 @@
           <p:cNvPr id="4" name="Текст 3">
             <a:extLst>
               <a:ext uri="{FF2B5EF4-FFF2-40B4-BE49-F238E27FC236}">
-                <a16:creationId xmlns:a16="http://schemas.microsoft.com/office/drawing/2014/main" xmlns="" id="{A11DCBA9-FB46-487E-813A-0986CF9EB50F}"/>
+                <a16:creationId xmlns:a16="http://schemas.microsoft.com/office/drawing/2014/main" id="{A11DCBA9-FB46-487E-813A-0986CF9EB50F}"/>
               </a:ext>
             </a:extLst>
           </p:cNvPr>
@@ -2669,7 +2669,7 @@
           <p:cNvPr id="5" name="Дата 4">
             <a:extLst>
               <a:ext uri="{FF2B5EF4-FFF2-40B4-BE49-F238E27FC236}">
-                <a16:creationId xmlns:a16="http://schemas.microsoft.com/office/drawing/2014/main" xmlns="" id="{35D9F677-DE01-44BD-B50F-F075AA921E13}"/>
+                <a16:creationId xmlns:a16="http://schemas.microsoft.com/office/drawing/2014/main" id="{35D9F677-DE01-44BD-B50F-F075AA921E13}"/>
               </a:ext>
             </a:extLst>
           </p:cNvPr>
@@ -2698,7 +2698,7 @@
           <p:cNvPr id="6" name="Нижний колонтитул 5">
             <a:extLst>
               <a:ext uri="{FF2B5EF4-FFF2-40B4-BE49-F238E27FC236}">
-                <a16:creationId xmlns:a16="http://schemas.microsoft.com/office/drawing/2014/main" xmlns="" id="{9AEB761C-B9D8-418F-80B3-C42966F23B14}"/>
+                <a16:creationId xmlns:a16="http://schemas.microsoft.com/office/drawing/2014/main" id="{9AEB761C-B9D8-418F-80B3-C42966F23B14}"/>
               </a:ext>
             </a:extLst>
           </p:cNvPr>
@@ -2723,7 +2723,7 @@
           <p:cNvPr id="7" name="Номер слайда 6">
             <a:extLst>
               <a:ext uri="{FF2B5EF4-FFF2-40B4-BE49-F238E27FC236}">
-                <a16:creationId xmlns:a16="http://schemas.microsoft.com/office/drawing/2014/main" xmlns="" id="{AF564F38-E5D6-43A3-B1B4-B8CF7994EAD8}"/>
+                <a16:creationId xmlns:a16="http://schemas.microsoft.com/office/drawing/2014/main" id="{AF564F38-E5D6-43A3-B1B4-B8CF7994EAD8}"/>
               </a:ext>
             </a:extLst>
           </p:cNvPr>
@@ -2787,7 +2787,7 @@
           <p:cNvPr id="2" name="Заголовок 1">
             <a:extLst>
               <a:ext uri="{FF2B5EF4-FFF2-40B4-BE49-F238E27FC236}">
-                <a16:creationId xmlns:a16="http://schemas.microsoft.com/office/drawing/2014/main" xmlns="" id="{3151AC90-97C0-426C-9CBF-9823770A3A74}"/>
+                <a16:creationId xmlns:a16="http://schemas.microsoft.com/office/drawing/2014/main" id="{3151AC90-97C0-426C-9CBF-9823770A3A74}"/>
               </a:ext>
             </a:extLst>
           </p:cNvPr>
@@ -2825,7 +2825,7 @@
           <p:cNvPr id="3" name="Текст 2">
             <a:extLst>
               <a:ext uri="{FF2B5EF4-FFF2-40B4-BE49-F238E27FC236}">
-                <a16:creationId xmlns:a16="http://schemas.microsoft.com/office/drawing/2014/main" xmlns="" id="{F902A976-A1B7-40E5-AFE7-02D3E034F918}"/>
+                <a16:creationId xmlns:a16="http://schemas.microsoft.com/office/drawing/2014/main" id="{F902A976-A1B7-40E5-AFE7-02D3E034F918}"/>
               </a:ext>
             </a:extLst>
           </p:cNvPr>
@@ -2892,7 +2892,7 @@
           <p:cNvPr id="4" name="Дата 3">
             <a:extLst>
               <a:ext uri="{FF2B5EF4-FFF2-40B4-BE49-F238E27FC236}">
-                <a16:creationId xmlns:a16="http://schemas.microsoft.com/office/drawing/2014/main" xmlns="" id="{F78FF281-A094-465A-8722-1D1D5814155E}"/>
+                <a16:creationId xmlns:a16="http://schemas.microsoft.com/office/drawing/2014/main" id="{F78FF281-A094-465A-8722-1D1D5814155E}"/>
               </a:ext>
             </a:extLst>
           </p:cNvPr>
@@ -2939,7 +2939,7 @@
           <p:cNvPr id="5" name="Нижний колонтитул 4">
             <a:extLst>
               <a:ext uri="{FF2B5EF4-FFF2-40B4-BE49-F238E27FC236}">
-                <a16:creationId xmlns:a16="http://schemas.microsoft.com/office/drawing/2014/main" xmlns="" id="{1BDD9AEE-0A6E-40F2-ABDE-9EB9D9FD7B0A}"/>
+                <a16:creationId xmlns:a16="http://schemas.microsoft.com/office/drawing/2014/main" id="{1BDD9AEE-0A6E-40F2-ABDE-9EB9D9FD7B0A}"/>
               </a:ext>
             </a:extLst>
           </p:cNvPr>
@@ -2982,7 +2982,7 @@
           <p:cNvPr id="6" name="Номер слайда 5">
             <a:extLst>
               <a:ext uri="{FF2B5EF4-FFF2-40B4-BE49-F238E27FC236}">
-                <a16:creationId xmlns:a16="http://schemas.microsoft.com/office/drawing/2014/main" xmlns="" id="{E17D4EF5-44A4-422D-847D-CFD03495073D}"/>
+                <a16:creationId xmlns:a16="http://schemas.microsoft.com/office/drawing/2014/main" id="{E17D4EF5-44A4-422D-847D-CFD03495073D}"/>
               </a:ext>
             </a:extLst>
           </p:cNvPr>
@@ -3350,7 +3350,7 @@
           <p:cNvPr id="2" name="Заголовок 1">
             <a:extLst>
               <a:ext uri="{FF2B5EF4-FFF2-40B4-BE49-F238E27FC236}">
-                <a16:creationId xmlns:a16="http://schemas.microsoft.com/office/drawing/2014/main" xmlns="" id="{93BC96C6-57FE-4601-B38B-25C365972EB1}"/>
+                <a16:creationId xmlns:a16="http://schemas.microsoft.com/office/drawing/2014/main" id="{93BC96C6-57FE-4601-B38B-25C365972EB1}"/>
               </a:ext>
             </a:extLst>
           </p:cNvPr>
@@ -3387,7 +3387,7 @@
           <p:cNvPr id="3" name="Подзаголовок 2">
             <a:extLst>
               <a:ext uri="{FF2B5EF4-FFF2-40B4-BE49-F238E27FC236}">
-                <a16:creationId xmlns:a16="http://schemas.microsoft.com/office/drawing/2014/main" xmlns="" id="{D3FD3830-A000-4477-9B19-32EF6C7CF52F}"/>
+                <a16:creationId xmlns:a16="http://schemas.microsoft.com/office/drawing/2014/main" id="{D3FD3830-A000-4477-9B19-32EF6C7CF52F}"/>
               </a:ext>
             </a:extLst>
           </p:cNvPr>
@@ -3452,7 +3452,7 @@
           <p:cNvPr id="4" name="Подзаголовок 2">
             <a:extLst>
               <a:ext uri="{FF2B5EF4-FFF2-40B4-BE49-F238E27FC236}">
-                <a16:creationId xmlns:a16="http://schemas.microsoft.com/office/drawing/2014/main" xmlns="" id="{99D7FF47-8B07-44BE-A96A-8F773DFD9144}"/>
+                <a16:creationId xmlns:a16="http://schemas.microsoft.com/office/drawing/2014/main" id="{99D7FF47-8B07-44BE-A96A-8F773DFD9144}"/>
               </a:ext>
             </a:extLst>
           </p:cNvPr>
@@ -3686,7 +3686,7 @@
           <p:cNvPr id="2" name="Заголовок 1">
             <a:extLst>
               <a:ext uri="{FF2B5EF4-FFF2-40B4-BE49-F238E27FC236}">
-                <a16:creationId xmlns:a16="http://schemas.microsoft.com/office/drawing/2014/main" xmlns="" id="{BA1EEC96-E494-43B8-80B1-17426434F4A2}"/>
+                <a16:creationId xmlns:a16="http://schemas.microsoft.com/office/drawing/2014/main" id="{BA1EEC96-E494-43B8-80B1-17426434F4A2}"/>
               </a:ext>
             </a:extLst>
           </p:cNvPr>
@@ -3714,7 +3714,7 @@
           <p:cNvPr id="3" name="Объект 2">
             <a:extLst>
               <a:ext uri="{FF2B5EF4-FFF2-40B4-BE49-F238E27FC236}">
-                <a16:creationId xmlns:a16="http://schemas.microsoft.com/office/drawing/2014/main" xmlns="" id="{A4AC19E2-A400-46E7-BA7A-DBAC3458D0CC}"/>
+                <a16:creationId xmlns:a16="http://schemas.microsoft.com/office/drawing/2014/main" id="{A4AC19E2-A400-46E7-BA7A-DBAC3458D0CC}"/>
               </a:ext>
             </a:extLst>
           </p:cNvPr>
@@ -3784,19 +3784,7 @@
           <a:p>
             <a:r>
               <a:rPr lang="ru-RU" dirty="0"/>
-              <a:t>и</a:t>
-            </a:r>
-            <a:r>
-              <a:rPr lang="ru-RU" dirty="0" smtClean="0"/>
-              <a:t>зучить </a:t>
-            </a:r>
-            <a:r>
-              <a:rPr lang="ru-RU" dirty="0"/>
-              <a:t>структуру и принцип работы </a:t>
-            </a:r>
-            <a:r>
-              <a:rPr lang="ru-RU" dirty="0" smtClean="0"/>
-              <a:t>протокола</a:t>
+              <a:t>изучить структуру и принцип работы протокола</a:t>
             </a:r>
             <a:r>
               <a:rPr lang="en-US" dirty="0"/>
@@ -3807,22 +3795,10 @@
           <a:p>
             <a:r>
               <a:rPr lang="ru-RU" dirty="0"/>
-              <a:t>р</a:t>
-            </a:r>
-            <a:r>
-              <a:rPr lang="ru-RU" dirty="0" smtClean="0"/>
-              <a:t>азработать </a:t>
-            </a:r>
-            <a:r>
-              <a:rPr lang="ru-RU" dirty="0"/>
-              <a:t>алгоритм взаимодействия с сервером и </a:t>
-            </a:r>
-            <a:r>
-              <a:rPr lang="ru-RU" dirty="0" smtClean="0"/>
-              <a:t>клиентами</a:t>
-            </a:r>
-            <a:r>
-              <a:rPr lang="en-US" dirty="0" smtClean="0"/>
+              <a:t>разработать алгоритм взаимодействия с сервером и клиентами</a:t>
+            </a:r>
+            <a:r>
+              <a:rPr lang="en-US" dirty="0"/>
               <a:t>;</a:t>
             </a:r>
             <a:endParaRPr lang="ru-RU" dirty="0"/>
@@ -3830,15 +3806,7 @@
           <a:p>
             <a:r>
               <a:rPr lang="ru-RU" dirty="0"/>
-              <a:t>р</a:t>
-            </a:r>
-            <a:r>
-              <a:rPr lang="ru-RU" dirty="0" smtClean="0"/>
-              <a:t>еализовать </a:t>
-            </a:r>
-            <a:r>
-              <a:rPr lang="ru-RU" dirty="0"/>
-              <a:t>программу для загрузки файлов на основе протокола </a:t>
+              <a:t>реализовать программу для загрузки файлов на основе протокола </a:t>
             </a:r>
             <a:r>
               <a:rPr lang="ru-RU" dirty="0" err="1"/>
@@ -3897,7 +3865,7 @@
           <p:cNvPr id="2" name="Заголовок 1">
             <a:extLst>
               <a:ext uri="{FF2B5EF4-FFF2-40B4-BE49-F238E27FC236}">
-                <a16:creationId xmlns:a16="http://schemas.microsoft.com/office/drawing/2014/main" xmlns="" id="{CFE2EC95-3DCD-4C32-B199-2AA8DA311F33}"/>
+                <a16:creationId xmlns:a16="http://schemas.microsoft.com/office/drawing/2014/main" id="{CFE2EC95-3DCD-4C32-B199-2AA8DA311F33}"/>
               </a:ext>
             </a:extLst>
           </p:cNvPr>
@@ -3925,7 +3893,7 @@
           <p:cNvPr id="3" name="Объект 2">
             <a:extLst>
               <a:ext uri="{FF2B5EF4-FFF2-40B4-BE49-F238E27FC236}">
-                <a16:creationId xmlns:a16="http://schemas.microsoft.com/office/drawing/2014/main" xmlns="" id="{435E1181-1C22-4E20-BD67-8EB45F01AC93}"/>
+                <a16:creationId xmlns:a16="http://schemas.microsoft.com/office/drawing/2014/main" id="{435E1181-1C22-4E20-BD67-8EB45F01AC93}"/>
               </a:ext>
             </a:extLst>
           </p:cNvPr>
@@ -3966,11 +3934,7 @@
             </a:pPr>
             <a:r>
               <a:rPr lang="ru-RU" dirty="0"/>
-              <a:t>Это чувствительно для загрузки файлов больших </a:t>
-            </a:r>
-            <a:r>
-              <a:rPr lang="ru-RU" dirty="0" smtClean="0"/>
-              <a:t>объёмов</a:t>
+              <a:t>Это чувствительно для загрузки файлов больших объёмов</a:t>
             </a:r>
             <a:r>
               <a:rPr lang="en-US" dirty="0"/>
@@ -4044,7 +4008,7 @@
           <p:cNvPr id="2" name="Заголовок 1">
             <a:extLst>
               <a:ext uri="{FF2B5EF4-FFF2-40B4-BE49-F238E27FC236}">
-                <a16:creationId xmlns:a16="http://schemas.microsoft.com/office/drawing/2014/main" xmlns="" id="{19AA2330-E8FE-470F-BA75-05F90787F1BE}"/>
+                <a16:creationId xmlns:a16="http://schemas.microsoft.com/office/drawing/2014/main" id="{19AA2330-E8FE-470F-BA75-05F90787F1BE}"/>
               </a:ext>
             </a:extLst>
           </p:cNvPr>
@@ -4072,7 +4036,7 @@
           <p:cNvPr id="3" name="Объект 2">
             <a:extLst>
               <a:ext uri="{FF2B5EF4-FFF2-40B4-BE49-F238E27FC236}">
-                <a16:creationId xmlns:a16="http://schemas.microsoft.com/office/drawing/2014/main" xmlns="" id="{4A7A160B-4EE8-4643-95C9-FD700FD81045}"/>
+                <a16:creationId xmlns:a16="http://schemas.microsoft.com/office/drawing/2014/main" id="{4A7A160B-4EE8-4643-95C9-FD700FD81045}"/>
               </a:ext>
             </a:extLst>
           </p:cNvPr>
@@ -4105,84 +4069,35 @@
             </a:r>
             <a:r>
               <a:rPr lang="ru-RU" dirty="0"/>
-              <a:t> протокол для кооперативного обмена файлами через по сети Интернет. В данном протоколе выделены две роли:</a:t>
+              <a:t> протокол для кооперативного обмена файлами по сети Интернет. В данном протоколе выделены две роли:</a:t>
             </a:r>
           </a:p>
           <a:p>
             <a:r>
               <a:rPr lang="ru-RU" b="1" dirty="0"/>
-              <a:t>п</a:t>
-            </a:r>
-            <a:r>
-              <a:rPr lang="ru-RU" b="1" dirty="0" smtClean="0"/>
-              <a:t>ир </a:t>
-            </a:r>
-            <a:r>
-              <a:rPr lang="ru-RU" b="1" dirty="0"/>
-              <a:t>(</a:t>
-            </a:r>
-            <a:r>
-              <a:rPr lang="ru-RU" b="1" dirty="0" smtClean="0"/>
-              <a:t>клиент)</a:t>
+              <a:t>пир (клиент)</a:t>
             </a:r>
             <a:r>
               <a:rPr lang="en-US" dirty="0"/>
               <a:t> </a:t>
             </a:r>
             <a:r>
-              <a:rPr lang="ru-RU" dirty="0" smtClean="0"/>
-              <a:t>х</a:t>
-            </a:r>
-            <a:r>
-              <a:rPr lang="ru-RU" dirty="0" smtClean="0"/>
-              <a:t>ранит </a:t>
-            </a:r>
-            <a:r>
-              <a:rPr lang="ru-RU" dirty="0"/>
-              <a:t>файлы и производит обмен их частями с другими </a:t>
-            </a:r>
-            <a:r>
-              <a:rPr lang="ru-RU" dirty="0" smtClean="0"/>
-              <a:t>пирами;</a:t>
-            </a:r>
-            <a:endParaRPr lang="ru-RU" dirty="0"/>
+              <a:rPr lang="ru-RU" dirty="0"/>
+              <a:t>хранит файлы и производит обмен их частями с другими пирами;</a:t>
+            </a:r>
           </a:p>
           <a:p>
             <a:r>
               <a:rPr lang="ru-RU" b="1" dirty="0" err="1"/>
-              <a:t>т</a:t>
-            </a:r>
-            <a:r>
-              <a:rPr lang="ru-RU" b="1" dirty="0" err="1" smtClean="0"/>
-              <a:t>рекер</a:t>
-            </a:r>
-            <a:r>
-              <a:rPr lang="ru-RU" b="1" dirty="0" smtClean="0"/>
-              <a:t> </a:t>
+              <a:t>трекер</a:t>
             </a:r>
             <a:r>
               <a:rPr lang="ru-RU" b="1" dirty="0"/>
-              <a:t>(</a:t>
-            </a:r>
-            <a:r>
-              <a:rPr lang="ru-RU" b="1" dirty="0" smtClean="0"/>
-              <a:t>сервер)</a:t>
-            </a:r>
-            <a:r>
-              <a:rPr lang="ru-RU" dirty="0"/>
-              <a:t> </a:t>
-            </a:r>
-            <a:r>
-              <a:rPr lang="ru-RU" dirty="0" smtClean="0"/>
-              <a:t>х</a:t>
-            </a:r>
-            <a:r>
-              <a:rPr lang="ru-RU" dirty="0" smtClean="0"/>
-              <a:t>ранит </a:t>
-            </a:r>
-            <a:r>
-              <a:rPr lang="ru-RU" dirty="0"/>
-              <a:t>таблицу файлов и список пиров, имеющих данный файл в распоряжении.</a:t>
+              <a:t> (сервер)</a:t>
+            </a:r>
+            <a:r>
+              <a:rPr lang="ru-RU" dirty="0"/>
+              <a:t> хранит таблицу файлов и список пиров, имеющих данный файл в распоряжении.</a:t>
             </a:r>
           </a:p>
           <a:p>
@@ -4250,7 +4165,7 @@
           <p:cNvPr id="2" name="Заголовок 1">
             <a:extLst>
               <a:ext uri="{FF2B5EF4-FFF2-40B4-BE49-F238E27FC236}">
-                <a16:creationId xmlns:a16="http://schemas.microsoft.com/office/drawing/2014/main" xmlns="" id="{EC074A9C-0D1F-423C-B802-0756CC258F8B}"/>
+                <a16:creationId xmlns:a16="http://schemas.microsoft.com/office/drawing/2014/main" id="{EC074A9C-0D1F-423C-B802-0756CC258F8B}"/>
               </a:ext>
             </a:extLst>
           </p:cNvPr>
@@ -4278,7 +4193,7 @@
           <p:cNvPr id="3" name="Объект 2">
             <a:extLst>
               <a:ext uri="{FF2B5EF4-FFF2-40B4-BE49-F238E27FC236}">
-                <a16:creationId xmlns:a16="http://schemas.microsoft.com/office/drawing/2014/main" xmlns="" id="{9E95C9C7-2816-4BDD-AA9C-CEF664FF616F}"/>
+                <a16:creationId xmlns:a16="http://schemas.microsoft.com/office/drawing/2014/main" id="{9E95C9C7-2816-4BDD-AA9C-CEF664FF616F}"/>
               </a:ext>
             </a:extLst>
           </p:cNvPr>
@@ -4307,19 +4222,7 @@
             <a:pPr lvl="1"/>
             <a:r>
               <a:rPr lang="ru-RU" dirty="0"/>
-              <a:t>м</a:t>
-            </a:r>
-            <a:r>
-              <a:rPr lang="ru-RU" dirty="0" smtClean="0"/>
-              <a:t>ножество </a:t>
-            </a:r>
-            <a:r>
-              <a:rPr lang="ru-RU" dirty="0"/>
-              <a:t>равноправных участников </a:t>
-            </a:r>
-            <a:r>
-              <a:rPr lang="ru-RU" dirty="0" smtClean="0"/>
-              <a:t>обмена</a:t>
+              <a:t>множество равноправных участников обмена</a:t>
             </a:r>
             <a:r>
               <a:rPr lang="en-US" dirty="0"/>
@@ -4331,22 +4234,10 @@
             <a:pPr lvl="1"/>
             <a:r>
               <a:rPr lang="ru-RU" dirty="0"/>
-              <a:t>ф</a:t>
-            </a:r>
-            <a:r>
-              <a:rPr lang="ru-RU" dirty="0" smtClean="0"/>
-              <a:t>айл </a:t>
-            </a:r>
-            <a:r>
-              <a:rPr lang="ru-RU" dirty="0"/>
-              <a:t>разбит на множество </a:t>
-            </a:r>
-            <a:r>
-              <a:rPr lang="ru-RU" dirty="0" smtClean="0"/>
-              <a:t>частей</a:t>
-            </a:r>
-            <a:r>
-              <a:rPr lang="en-US" dirty="0" smtClean="0"/>
+              <a:t>файл разбит на множество частей</a:t>
+            </a:r>
+            <a:r>
+              <a:rPr lang="en-US" dirty="0"/>
               <a:t>;</a:t>
             </a:r>
             <a:endParaRPr lang="ru-RU" dirty="0"/>
@@ -4355,22 +4246,10 @@
             <a:pPr lvl="1"/>
             <a:r>
               <a:rPr lang="ru-RU" dirty="0"/>
-              <a:t>о</a:t>
-            </a:r>
-            <a:r>
-              <a:rPr lang="ru-RU" dirty="0" smtClean="0"/>
-              <a:t>дновременно </a:t>
-            </a:r>
-            <a:r>
-              <a:rPr lang="ru-RU" dirty="0"/>
-              <a:t>может передаваться сразу большое количество разных </a:t>
-            </a:r>
-            <a:r>
-              <a:rPr lang="ru-RU" dirty="0" smtClean="0"/>
-              <a:t>частей</a:t>
-            </a:r>
-            <a:r>
-              <a:rPr lang="en-US" dirty="0" smtClean="0"/>
+              <a:t>одновременно может передаваться сразу большое количество разных частей</a:t>
+            </a:r>
+            <a:r>
+              <a:rPr lang="en-US" dirty="0"/>
               <a:t>.</a:t>
             </a:r>
             <a:endParaRPr lang="ru-RU" dirty="0"/>
@@ -4457,7 +4336,7 @@
           <p:cNvPr id="2" name="Заголовок 1">
             <a:extLst>
               <a:ext uri="{FF2B5EF4-FFF2-40B4-BE49-F238E27FC236}">
-                <a16:creationId xmlns:a16="http://schemas.microsoft.com/office/drawing/2014/main" xmlns="" id="{407A329B-D461-4098-8951-FCA3DC69346F}"/>
+                <a16:creationId xmlns:a16="http://schemas.microsoft.com/office/drawing/2014/main" id="{407A329B-D461-4098-8951-FCA3DC69346F}"/>
               </a:ext>
             </a:extLst>
           </p:cNvPr>
@@ -4485,7 +4364,7 @@
           <p:cNvPr id="3" name="Объект 2">
             <a:extLst>
               <a:ext uri="{FF2B5EF4-FFF2-40B4-BE49-F238E27FC236}">
-                <a16:creationId xmlns:a16="http://schemas.microsoft.com/office/drawing/2014/main" xmlns="" id="{F178D6F0-BC98-4043-A8F6-904EDA9CA32C}"/>
+                <a16:creationId xmlns:a16="http://schemas.microsoft.com/office/drawing/2014/main" id="{F178D6F0-BC98-4043-A8F6-904EDA9CA32C}"/>
               </a:ext>
             </a:extLst>
           </p:cNvPr>
@@ -4533,15 +4412,7 @@
           <a:p>
             <a:r>
               <a:rPr lang="ru-RU" dirty="0"/>
-              <a:t>Далее </a:t>
-            </a:r>
-            <a:r>
-              <a:rPr lang="ru-RU" dirty="0" smtClean="0"/>
-              <a:t>осуществляется обмен </a:t>
-            </a:r>
-            <a:r>
-              <a:rPr lang="ru-RU" dirty="0"/>
-              <a:t>битовыми картами имеющихся частей файла.</a:t>
+              <a:t>Далее осуществляется обмен битовыми картами имеющихся частей файла.</a:t>
             </a:r>
           </a:p>
           <a:p>
@@ -4593,7 +4464,7 @@
           <p:cNvPr id="2" name="Заголовок 1">
             <a:extLst>
               <a:ext uri="{FF2B5EF4-FFF2-40B4-BE49-F238E27FC236}">
-                <a16:creationId xmlns:a16="http://schemas.microsoft.com/office/drawing/2014/main" xmlns="" id="{A22BACAE-9320-4290-A225-9ED13A2D2AEF}"/>
+                <a16:creationId xmlns:a16="http://schemas.microsoft.com/office/drawing/2014/main" id="{A22BACAE-9320-4290-A225-9ED13A2D2AEF}"/>
               </a:ext>
             </a:extLst>
           </p:cNvPr>
@@ -4625,7 +4496,7 @@
           <p:cNvPr id="7" name="Рисунок 6">
             <a:extLst>
               <a:ext uri="{FF2B5EF4-FFF2-40B4-BE49-F238E27FC236}">
-                <a16:creationId xmlns:a16="http://schemas.microsoft.com/office/drawing/2014/main" xmlns="" id="{8218896F-80B5-4F13-A8DC-4F7BCB4DE3F0}"/>
+                <a16:creationId xmlns:a16="http://schemas.microsoft.com/office/drawing/2014/main" id="{8218896F-80B5-4F13-A8DC-4F7BCB4DE3F0}"/>
               </a:ext>
             </a:extLst>
           </p:cNvPr>
@@ -4721,7 +4592,7 @@
           <p:cNvPr id="9" name="Объект 2">
             <a:extLst>
               <a:ext uri="{FF2B5EF4-FFF2-40B4-BE49-F238E27FC236}">
-                <a16:creationId xmlns:a16="http://schemas.microsoft.com/office/drawing/2014/main" xmlns="" id="{A4A7AE52-9D4C-42B0-8A4F-3415140A346C}"/>
+                <a16:creationId xmlns:a16="http://schemas.microsoft.com/office/drawing/2014/main" id="{A4A7AE52-9D4C-42B0-8A4F-3415140A346C}"/>
               </a:ext>
             </a:extLst>
           </p:cNvPr>
@@ -4909,10 +4780,9 @@
           </a:lstStyle>
           <a:p>
             <a:r>
-              <a:rPr lang="ru-RU" dirty="0" smtClean="0"/>
+              <a:rPr lang="ru-RU" dirty="0"/>
               <a:t>Для удобного взаимодействия пользователя с клиентом был разработан графический интерфейс.</a:t>
             </a:r>
-            <a:endParaRPr lang="ru-RU" dirty="0"/>
           </a:p>
         </p:txBody>
       </p:sp>
@@ -4921,7 +4791,7 @@
           <p:cNvPr id="2" name="Заголовок 1">
             <a:extLst>
               <a:ext uri="{FF2B5EF4-FFF2-40B4-BE49-F238E27FC236}">
-                <a16:creationId xmlns:a16="http://schemas.microsoft.com/office/drawing/2014/main" xmlns="" id="{A29026EC-4E65-4536-887D-54B3DF10940D}"/>
+                <a16:creationId xmlns:a16="http://schemas.microsoft.com/office/drawing/2014/main" id="{A29026EC-4E65-4536-887D-54B3DF10940D}"/>
               </a:ext>
             </a:extLst>
           </p:cNvPr>
@@ -4949,7 +4819,7 @@
           <p:cNvPr id="5" name="Объект 4">
             <a:extLst>
               <a:ext uri="{FF2B5EF4-FFF2-40B4-BE49-F238E27FC236}">
-                <a16:creationId xmlns:a16="http://schemas.microsoft.com/office/drawing/2014/main" xmlns="" id="{3B305506-CD1F-4F76-B090-57C1888D7D93}"/>
+                <a16:creationId xmlns:a16="http://schemas.microsoft.com/office/drawing/2014/main" id="{3B305506-CD1F-4F76-B090-57C1888D7D93}"/>
               </a:ext>
             </a:extLst>
           </p:cNvPr>
@@ -4984,7 +4854,7 @@
           <p:cNvPr id="7" name="Рисунок 6">
             <a:extLst>
               <a:ext uri="{FF2B5EF4-FFF2-40B4-BE49-F238E27FC236}">
-                <a16:creationId xmlns:a16="http://schemas.microsoft.com/office/drawing/2014/main" xmlns="" id="{1B4C4256-165F-404C-BF2A-A272ABE16BC8}"/>
+                <a16:creationId xmlns:a16="http://schemas.microsoft.com/office/drawing/2014/main" id="{1B4C4256-165F-404C-BF2A-A272ABE16BC8}"/>
               </a:ext>
             </a:extLst>
           </p:cNvPr>
@@ -5050,7 +4920,7 @@
           <p:cNvPr id="2" name="Заголовок 1">
             <a:extLst>
               <a:ext uri="{FF2B5EF4-FFF2-40B4-BE49-F238E27FC236}">
-                <a16:creationId xmlns:a16="http://schemas.microsoft.com/office/drawing/2014/main" xmlns="" id="{CDA549CE-9B9E-481D-ADE6-7C29A400B3BC}"/>
+                <a16:creationId xmlns:a16="http://schemas.microsoft.com/office/drawing/2014/main" id="{CDA549CE-9B9E-481D-ADE6-7C29A400B3BC}"/>
               </a:ext>
             </a:extLst>
           </p:cNvPr>
@@ -5078,7 +4948,7 @@
           <p:cNvPr id="3" name="Объект 2">
             <a:extLst>
               <a:ext uri="{FF2B5EF4-FFF2-40B4-BE49-F238E27FC236}">
-                <a16:creationId xmlns:a16="http://schemas.microsoft.com/office/drawing/2014/main" xmlns="" id="{8E898322-A7DA-4BB0-8635-3F9D0843E23D}"/>
+                <a16:creationId xmlns:a16="http://schemas.microsoft.com/office/drawing/2014/main" id="{8E898322-A7DA-4BB0-8635-3F9D0843E23D}"/>
               </a:ext>
             </a:extLst>
           </p:cNvPr>
@@ -5103,7 +4973,15 @@
             </a:r>
             <a:r>
               <a:rPr lang="ru-RU" dirty="0" err="1"/>
-              <a:t>Bittorrent</a:t>
+              <a:t>Bit</a:t>
+            </a:r>
+            <a:r>
+              <a:rPr lang="en-US"/>
+              <a:t>T</a:t>
+            </a:r>
+            <a:r>
+              <a:rPr lang="ru-RU"/>
+              <a:t>orrent</a:t>
             </a:r>
             <a:r>
               <a:rPr lang="ru-RU" dirty="0"/>
@@ -5122,53 +5000,19 @@
           <a:p>
             <a:r>
               <a:rPr lang="ru-RU" dirty="0"/>
-              <a:t>и</a:t>
-            </a:r>
-            <a:r>
-              <a:rPr lang="ru-RU" dirty="0" smtClean="0"/>
-              <a:t>зучена </a:t>
-            </a:r>
-            <a:r>
-              <a:rPr lang="ru-RU" dirty="0"/>
-              <a:t>структура и принцип работы </a:t>
-            </a:r>
-            <a:r>
-              <a:rPr lang="ru-RU" dirty="0" smtClean="0"/>
-              <a:t>протокола;</a:t>
-            </a:r>
-            <a:endParaRPr lang="ru-RU" dirty="0"/>
-          </a:p>
-          <a:p>
-            <a:r>
-              <a:rPr lang="ru-RU" dirty="0"/>
-              <a:t>р</a:t>
-            </a:r>
-            <a:r>
-              <a:rPr lang="ru-RU" dirty="0" smtClean="0"/>
-              <a:t>азработаны </a:t>
-            </a:r>
-            <a:r>
-              <a:rPr lang="ru-RU" dirty="0"/>
-              <a:t>алгоритмы взаимодействия с сервером и </a:t>
-            </a:r>
-            <a:r>
-              <a:rPr lang="ru-RU" dirty="0" smtClean="0"/>
-              <a:t>клиентами;</a:t>
-            </a:r>
-            <a:endParaRPr lang="ru-RU" dirty="0"/>
-          </a:p>
-          <a:p>
-            <a:r>
-              <a:rPr lang="ru-RU" dirty="0"/>
-              <a:t>р</a:t>
-            </a:r>
-            <a:r>
-              <a:rPr lang="ru-RU" dirty="0" smtClean="0"/>
-              <a:t>еализована </a:t>
-            </a:r>
-            <a:r>
-              <a:rPr lang="ru-RU" dirty="0"/>
-              <a:t>программа для загрузки файлов на основе протокола </a:t>
+              <a:t>изучена структура и принцип работы протокола;</a:t>
+            </a:r>
+          </a:p>
+          <a:p>
+            <a:r>
+              <a:rPr lang="ru-RU" dirty="0"/>
+              <a:t>разработаны алгоритмы взаимодействия с сервером и клиентами;</a:t>
+            </a:r>
+          </a:p>
+          <a:p>
+            <a:r>
+              <a:rPr lang="ru-RU" dirty="0"/>
+              <a:t>реализована программа для загрузки файлов на основе протокола </a:t>
             </a:r>
             <a:r>
               <a:rPr lang="ru-RU" dirty="0" err="1"/>
